--- a/discord-bot-study.pptx
+++ b/discord-bot-study.pptx
@@ -6459,14 +6459,14 @@
             <p:ph idx="1"/>
             <p:extLst>
               <p:ext uri="{D42A27DB-BD31-4B8C-83A1-F6EECF244321}">
-                <p14:modId xmlns:p14="http://schemas.microsoft.com/office/powerpoint/2010/main" val="777975675"/>
+                <p14:modId xmlns:p14="http://schemas.microsoft.com/office/powerpoint/2010/main" val="2178534059"/>
               </p:ext>
             </p:extLst>
           </p:nvPr>
         </p:nvGraphicFramePr>
         <p:xfrm>
           <a:off x="1103313" y="2052638"/>
-          <a:ext cx="8947150" cy="2966720"/>
+          <a:ext cx="8947150" cy="3235960"/>
         </p:xfrm>
         <a:graphic>
           <a:graphicData uri="http://schemas.openxmlformats.org/drawingml/2006/table">
@@ -6657,7 +6657,7 @@
                     <a:bodyPr/>
                     <a:lstStyle/>
                     <a:p>
-                      <a:endParaRPr lang="en-US"/>
+                      <a:endParaRPr lang="en-US" dirty="0"/>
                     </a:p>
                   </a:txBody>
                   <a:tcPr/>
@@ -6718,7 +6718,7 @@
                     <a:bodyPr/>
                     <a:lstStyle/>
                     <a:p>
-                      <a:endParaRPr lang="en-US"/>
+                      <a:endParaRPr lang="en-US" dirty="0"/>
                     </a:p>
                   </a:txBody>
                   <a:tcPr/>
@@ -6728,7 +6728,10 @@
                     <a:bodyPr/>
                     <a:lstStyle/>
                     <a:p>
-                      <a:endParaRPr lang="en-US"/>
+                      <a:r>
+                        <a:rPr lang="en-US"/>
+                        <a:t>ZacharyhWang</a:t>
+                      </a:r>
                     </a:p>
                   </a:txBody>
                   <a:tcPr/>

--- a/discord-bot-study.pptx
+++ b/discord-bot-study.pptx
@@ -6459,7 +6459,7 @@
             <p:ph idx="1"/>
             <p:extLst>
               <p:ext uri="{D42A27DB-BD31-4B8C-83A1-F6EECF244321}">
-                <p14:modId xmlns:p14="http://schemas.microsoft.com/office/powerpoint/2010/main" val="2178534059"/>
+                <p14:modId xmlns:p14="http://schemas.microsoft.com/office/powerpoint/2010/main" val="3763605023"/>
               </p:ext>
             </p:extLst>
           </p:nvPr>
@@ -6667,7 +6667,11 @@
                     <a:bodyPr/>
                     <a:lstStyle/>
                     <a:p>
-                      <a:endParaRPr lang="en-US"/>
+                      <a:r>
+                        <a:rPr lang="en-US" dirty="0" err="1"/>
+                        <a:t>BryanYHuang</a:t>
+                      </a:r>
+                      <a:endParaRPr lang="en-US" dirty="0"/>
                     </a:p>
                   </a:txBody>
                   <a:tcPr/>

--- a/discord-bot-study.pptx
+++ b/discord-bot-study.pptx
@@ -8,7 +8,8 @@
     <p:sldId id="256" r:id="rId2"/>
     <p:sldId id="257" r:id="rId3"/>
     <p:sldId id="258" r:id="rId4"/>
-    <p:sldId id="259" r:id="rId5"/>
+    <p:sldId id="260" r:id="rId5"/>
+    <p:sldId id="259" r:id="rId6"/>
   </p:sldIdLst>
   <p:sldSz cx="12192000" cy="6858000"/>
   <p:notesSz cx="6858000" cy="9144000"/>
@@ -6378,6 +6379,9 @@
           <a:p>
             <a:endParaRPr lang="en-US" dirty="0"/>
           </a:p>
+          <a:p>
+            <a:endParaRPr lang="en-US" dirty="0"/>
+          </a:p>
         </p:txBody>
       </p:sp>
     </p:spTree>
@@ -6394,6 +6398,123 @@
 </file>
 
 <file path=ppt/slides/slide4.xml><?xml version="1.0" encoding="utf-8"?>
+<p:sld xmlns:a="http://schemas.openxmlformats.org/drawingml/2006/main" xmlns:r="http://schemas.openxmlformats.org/officeDocument/2006/relationships" xmlns:p="http://schemas.openxmlformats.org/presentationml/2006/main">
+  <p:cSld>
+    <p:spTree>
+      <p:nvGrpSpPr>
+        <p:cNvPr id="1" name=""/>
+        <p:cNvGrpSpPr/>
+        <p:nvPr/>
+      </p:nvGrpSpPr>
+      <p:grpSpPr>
+        <a:xfrm>
+          <a:off x="0" y="0"/>
+          <a:ext cx="0" cy="0"/>
+          <a:chOff x="0" y="0"/>
+          <a:chExt cx="0" cy="0"/>
+        </a:xfrm>
+      </p:grpSpPr>
+      <p:sp>
+        <p:nvSpPr>
+          <p:cNvPr id="2" name="Title 1">
+            <a:extLst>
+              <a:ext uri="{FF2B5EF4-FFF2-40B4-BE49-F238E27FC236}">
+                <a16:creationId xmlns:a16="http://schemas.microsoft.com/office/drawing/2014/main" id="{D7ED8A2B-C85F-CC27-D4F0-D0F6F543E242}"/>
+              </a:ext>
+            </a:extLst>
+          </p:cNvPr>
+          <p:cNvSpPr>
+            <a:spLocks noGrp="1"/>
+          </p:cNvSpPr>
+          <p:nvPr>
+            <p:ph type="title"/>
+          </p:nvPr>
+        </p:nvSpPr>
+        <p:spPr/>
+        <p:txBody>
+          <a:bodyPr/>
+          <a:lstStyle/>
+          <a:p>
+            <a:r>
+              <a:rPr lang="en-US" dirty="0"/>
+              <a:t>Git, </a:t>
+            </a:r>
+            <a:r>
+              <a:rPr lang="en-US" dirty="0" err="1"/>
+              <a:t>Github</a:t>
+            </a:r>
+            <a:r>
+              <a:rPr lang="en-US" dirty="0"/>
+              <a:t>, </a:t>
+            </a:r>
+            <a:r>
+              <a:rPr lang="en-US" dirty="0" err="1"/>
+              <a:t>GitHubApp</a:t>
+            </a:r>
+            <a:endParaRPr lang="en-US" dirty="0"/>
+          </a:p>
+        </p:txBody>
+      </p:sp>
+      <p:sp>
+        <p:nvSpPr>
+          <p:cNvPr id="3" name="Content Placeholder 2">
+            <a:extLst>
+              <a:ext uri="{FF2B5EF4-FFF2-40B4-BE49-F238E27FC236}">
+                <a16:creationId xmlns:a16="http://schemas.microsoft.com/office/drawing/2014/main" id="{EDC9C62A-F934-99AD-D173-F1AB4A6788E2}"/>
+              </a:ext>
+            </a:extLst>
+          </p:cNvPr>
+          <p:cNvSpPr>
+            <a:spLocks noGrp="1"/>
+          </p:cNvSpPr>
+          <p:nvPr>
+            <p:ph idx="1"/>
+          </p:nvPr>
+        </p:nvSpPr>
+        <p:spPr/>
+        <p:txBody>
+          <a:bodyPr/>
+          <a:lstStyle/>
+          <a:p>
+            <a:r>
+              <a:rPr lang="en-US" dirty="0"/>
+              <a:t>clone</a:t>
+            </a:r>
+          </a:p>
+          <a:p>
+            <a:r>
+              <a:rPr lang="en-US" dirty="0"/>
+              <a:t>git pull</a:t>
+            </a:r>
+          </a:p>
+          <a:p>
+            <a:r>
+              <a:rPr lang="en-US" dirty="0"/>
+              <a:t>commit</a:t>
+            </a:r>
+          </a:p>
+          <a:p>
+            <a:r>
+              <a:rPr lang="en-US" dirty="0"/>
+              <a:t>git push</a:t>
+            </a:r>
+          </a:p>
+        </p:txBody>
+      </p:sp>
+    </p:spTree>
+    <p:extLst>
+      <p:ext uri="{BB962C8B-B14F-4D97-AF65-F5344CB8AC3E}">
+        <p14:creationId xmlns:p14="http://schemas.microsoft.com/office/powerpoint/2010/main" val="3820983367"/>
+      </p:ext>
+    </p:extLst>
+  </p:cSld>
+  <p:clrMapOvr>
+    <a:masterClrMapping/>
+  </p:clrMapOvr>
+</p:sld>
+</file>
+
+<file path=ppt/slides/slide5.xml><?xml version="1.0" encoding="utf-8"?>
 <p:sld xmlns:a="http://schemas.openxmlformats.org/drawingml/2006/main" xmlns:r="http://schemas.openxmlformats.org/officeDocument/2006/relationships" xmlns:p="http://schemas.openxmlformats.org/presentationml/2006/main">
   <p:cSld>
     <p:spTree>

--- a/discord-bot-study.pptx
+++ b/discord-bot-study.pptx
@@ -8,7 +8,8 @@
     <p:sldId id="256" r:id="rId2"/>
     <p:sldId id="257" r:id="rId3"/>
     <p:sldId id="258" r:id="rId4"/>
-    <p:sldId id="259" r:id="rId5"/>
+    <p:sldId id="260" r:id="rId5"/>
+    <p:sldId id="259" r:id="rId6"/>
   </p:sldIdLst>
   <p:sldSz cx="12192000" cy="6858000"/>
   <p:notesSz cx="6858000" cy="9144000"/>
@@ -6394,6 +6395,115 @@
 </file>
 
 <file path=ppt/slides/slide4.xml><?xml version="1.0" encoding="utf-8"?>
+<p:sld xmlns:a="http://schemas.openxmlformats.org/drawingml/2006/main" xmlns:r="http://schemas.openxmlformats.org/officeDocument/2006/relationships" xmlns:p="http://schemas.openxmlformats.org/presentationml/2006/main">
+  <p:cSld>
+    <p:spTree>
+      <p:nvGrpSpPr>
+        <p:cNvPr id="1" name=""/>
+        <p:cNvGrpSpPr/>
+        <p:nvPr/>
+      </p:nvGrpSpPr>
+      <p:grpSpPr>
+        <a:xfrm>
+          <a:off x="0" y="0"/>
+          <a:ext cx="0" cy="0"/>
+          <a:chOff x="0" y="0"/>
+          <a:chExt cx="0" cy="0"/>
+        </a:xfrm>
+      </p:grpSpPr>
+      <p:sp>
+        <p:nvSpPr>
+          <p:cNvPr id="2" name="Title 1">
+            <a:extLst>
+              <a:ext uri="{FF2B5EF4-FFF2-40B4-BE49-F238E27FC236}">
+                <a16:creationId xmlns:a16="http://schemas.microsoft.com/office/drawing/2014/main" id="{296D3399-45BE-BD7D-3A13-A2D7BE427607}"/>
+              </a:ext>
+            </a:extLst>
+          </p:cNvPr>
+          <p:cNvSpPr>
+            <a:spLocks noGrp="1"/>
+          </p:cNvSpPr>
+          <p:nvPr>
+            <p:ph type="title"/>
+          </p:nvPr>
+        </p:nvSpPr>
+        <p:spPr/>
+        <p:txBody>
+          <a:bodyPr/>
+          <a:lstStyle/>
+          <a:p>
+            <a:r>
+              <a:rPr lang="en-US" dirty="0"/>
+              <a:t>Git, GitHub, </a:t>
+            </a:r>
+            <a:r>
+              <a:rPr lang="en-US" dirty="0" err="1"/>
+              <a:t>GitHubApp</a:t>
+            </a:r>
+            <a:endParaRPr lang="en-US" dirty="0"/>
+          </a:p>
+        </p:txBody>
+      </p:sp>
+      <p:sp>
+        <p:nvSpPr>
+          <p:cNvPr id="3" name="Content Placeholder 2">
+            <a:extLst>
+              <a:ext uri="{FF2B5EF4-FFF2-40B4-BE49-F238E27FC236}">
+                <a16:creationId xmlns:a16="http://schemas.microsoft.com/office/drawing/2014/main" id="{656E8186-D4E1-9906-83D8-F3A6FB86C52E}"/>
+              </a:ext>
+            </a:extLst>
+          </p:cNvPr>
+          <p:cNvSpPr>
+            <a:spLocks noGrp="1"/>
+          </p:cNvSpPr>
+          <p:nvPr>
+            <p:ph idx="1"/>
+          </p:nvPr>
+        </p:nvSpPr>
+        <p:spPr/>
+        <p:txBody>
+          <a:bodyPr/>
+          <a:lstStyle/>
+          <a:p>
+            <a:r>
+              <a:rPr lang="en-US" dirty="0"/>
+              <a:t>Clone</a:t>
+            </a:r>
+          </a:p>
+          <a:p>
+            <a:r>
+              <a:rPr lang="en-US" dirty="0"/>
+              <a:t>Pull</a:t>
+            </a:r>
+          </a:p>
+          <a:p>
+            <a:r>
+              <a:rPr lang="en-US" dirty="0"/>
+              <a:t>Push</a:t>
+            </a:r>
+          </a:p>
+          <a:p>
+            <a:r>
+              <a:rPr lang="en-US" dirty="0"/>
+              <a:t>commit</a:t>
+            </a:r>
+          </a:p>
+        </p:txBody>
+      </p:sp>
+    </p:spTree>
+    <p:extLst>
+      <p:ext uri="{BB962C8B-B14F-4D97-AF65-F5344CB8AC3E}">
+        <p14:creationId xmlns:p14="http://schemas.microsoft.com/office/powerpoint/2010/main" val="1404836201"/>
+      </p:ext>
+    </p:extLst>
+  </p:cSld>
+  <p:clrMapOvr>
+    <a:masterClrMapping/>
+  </p:clrMapOvr>
+</p:sld>
+</file>
+
+<file path=ppt/slides/slide5.xml><?xml version="1.0" encoding="utf-8"?>
 <p:sld xmlns:a="http://schemas.openxmlformats.org/drawingml/2006/main" xmlns:r="http://schemas.openxmlformats.org/officeDocument/2006/relationships" xmlns:p="http://schemas.openxmlformats.org/presentationml/2006/main">
   <p:cSld>
     <p:spTree>
